--- a/Seance 2 HTML CSS PHP.pptx
+++ b/Seance 2 HTML CSS PHP.pptx
@@ -37586,15 +37586,7 @@
             </a:r>
             <a:r>
               <a:rPr lang="en-US" altLang="fr-FR" sz="3600" dirty="0"/>
-              <a:t> que le </a:t>
-            </a:r>
-            <a:r>
-              <a:rPr lang="en-US" altLang="fr-FR" sz="3600"/>
-              <a:t>css </a:t>
-            </a:r>
-            <a:r>
-              <a:rPr lang="en-US" altLang="fr-FR" sz="3600" dirty="0"/>
-              <a:t>?</a:t>
+              <a:t> que le CSS ?</a:t>
             </a:r>
           </a:p>
         </p:txBody>
@@ -38004,7 +37996,7 @@
                 </a:solidFill>
                 <a:latin typeface="Calibri" panose="020F0502020204030204" pitchFamily="34" charset="0"/>
               </a:rPr>
-              <a:t>H</a:t>
+              <a:t>C</a:t>
             </a:r>
             <a:r>
               <a:rPr lang="en-US" altLang="fr-FR" sz="2800" dirty="0">
@@ -38013,7 +38005,7 @@
                 </a:solidFill>
                 <a:latin typeface="Calibri" panose="020F0502020204030204" pitchFamily="34" charset="0"/>
               </a:rPr>
-              <a:t>yper </a:t>
+              <a:t>ascaded  </a:t>
             </a:r>
             <a:r>
               <a:rPr lang="en-US" altLang="fr-FR" sz="2800" b="1" dirty="0">
@@ -38022,7 +38014,7 @@
                 </a:solidFill>
                 <a:latin typeface="Calibri" panose="020F0502020204030204" pitchFamily="34" charset="0"/>
               </a:rPr>
-              <a:t>T</a:t>
+              <a:t>S</a:t>
             </a:r>
             <a:r>
               <a:rPr lang="en-US" altLang="fr-FR" sz="2800" dirty="0">
@@ -38031,7 +38023,7 @@
                 </a:solidFill>
                 <a:latin typeface="Calibri" panose="020F0502020204030204" pitchFamily="34" charset="0"/>
               </a:rPr>
-              <a:t>ext </a:t>
+              <a:t>tyle </a:t>
             </a:r>
             <a:r>
               <a:rPr lang="en-US" altLang="fr-FR" sz="2800" b="1" dirty="0">
@@ -38040,7 +38032,7 @@
                 </a:solidFill>
                 <a:latin typeface="Calibri" panose="020F0502020204030204" pitchFamily="34" charset="0"/>
               </a:rPr>
-              <a:t>M</a:t>
+              <a:t>S</a:t>
             </a:r>
             <a:r>
               <a:rPr lang="en-US" altLang="fr-FR" sz="2800" dirty="0">
@@ -38049,25 +38041,7 @@
                 </a:solidFill>
                 <a:latin typeface="Calibri" panose="020F0502020204030204" pitchFamily="34" charset="0"/>
               </a:rPr>
-              <a:t>arkup </a:t>
-            </a:r>
-            <a:r>
-              <a:rPr lang="en-US" altLang="fr-FR" sz="2800" b="1" dirty="0">
-                <a:solidFill>
-                  <a:srgbClr val="FFFFFF"/>
-                </a:solidFill>
-                <a:latin typeface="Calibri" panose="020F0502020204030204" pitchFamily="34" charset="0"/>
-              </a:rPr>
-              <a:t>L</a:t>
-            </a:r>
-            <a:r>
-              <a:rPr lang="en-US" altLang="fr-FR" sz="2800" dirty="0">
-                <a:solidFill>
-                  <a:srgbClr val="FFFFFF"/>
-                </a:solidFill>
-                <a:latin typeface="Calibri" panose="020F0502020204030204" pitchFamily="34" charset="0"/>
-              </a:rPr>
-              <a:t>anguage</a:t>
+              <a:t>heet</a:t>
             </a:r>
           </a:p>
           <a:p>

--- a/Seance 2 HTML CSS PHP.pptx
+++ b/Seance 2 HTML CSS PHP.pptx
@@ -195,6 +195,10 @@
     </p:ext>
   </p:extLst>
 </p:presentation>
+</file>
+
+<file path=ppt/revisionInfo.xml><?xml version="1.0" encoding="utf-8"?>
+<p1510:revInfo xmlns:a="http://schemas.openxmlformats.org/drawingml/2006/main" xmlns:r="http://schemas.openxmlformats.org/officeDocument/2006/relationships" xmlns:p1510="http://schemas.microsoft.com/office/powerpoint/2015/10/main"/>
 </file>
 
 <file path=ppt/notesMasters/notesMaster1.xml><?xml version="1.0" encoding="utf-8"?>
@@ -32665,15 +32669,7 @@
             </a:pPr>
             <a:r>
               <a:rPr lang="fr-FR" altLang="fr-FR" dirty="0"/>
-              <a:t>Utiliser votre </a:t>
-            </a:r>
-            <a:r>
-              <a:rPr lang="fr-FR" altLang="fr-FR" dirty="0" err="1"/>
-              <a:t>precedent</a:t>
-            </a:r>
-            <a:r>
-              <a:rPr lang="fr-FR" altLang="fr-FR" dirty="0"/>
-              <a:t> travail (les pages web de la séances 1, et appliquons du </a:t>
+              <a:t>Utiliser votre précèdent travail (les pages web de la séances 1, et appliquons du </a:t>
             </a:r>
             <a:r>
               <a:rPr lang="fr-FR" altLang="fr-FR" dirty="0" err="1"/>
@@ -32681,15 +32677,7 @@
             </a:r>
             <a:r>
               <a:rPr lang="fr-FR" altLang="fr-FR" dirty="0"/>
-              <a:t> sur des </a:t>
-            </a:r>
-            <a:r>
-              <a:rPr lang="fr-FR" altLang="fr-FR" dirty="0" err="1"/>
-              <a:t>selecteurs</a:t>
-            </a:r>
-            <a:r>
-              <a:rPr lang="fr-FR" altLang="fr-FR" dirty="0"/>
-              <a:t> simple.</a:t>
+              <a:t> sur des sélecteurs simple.</a:t>
             </a:r>
           </a:p>
           <a:p>
@@ -33343,7 +33331,7 @@
             </a:pPr>
             <a:r>
               <a:rPr lang="fr-FR" altLang="fr-FR" sz="2200" dirty="0"/>
-              <a:t>	On sépare la propriétés de la valeur par le caractères « : »</a:t>
+              <a:t>	On sépare la propriété de la valeur par le caractères « : »</a:t>
             </a:r>
           </a:p>
           <a:p>
@@ -36580,43 +36568,7 @@
                 </a:solidFill>
                 <a:latin typeface="Calibri" panose="020F0502020204030204" pitchFamily="34" charset="0"/>
               </a:rPr>
-              <a:t>Le problème avec les </a:t>
-            </a:r>
-            <a:r>
-              <a:rPr lang="fr-FR" altLang="fr-FR" sz="2800" dirty="0" err="1">
-                <a:solidFill>
-                  <a:srgbClr val="FFFFFF"/>
-                </a:solidFill>
-                <a:latin typeface="Calibri" panose="020F0502020204030204" pitchFamily="34" charset="0"/>
-              </a:rPr>
-              <a:t>selecteurs</a:t>
-            </a:r>
-            <a:r>
-              <a:rPr lang="fr-FR" altLang="fr-FR" sz="2800" dirty="0">
-                <a:solidFill>
-                  <a:srgbClr val="FFFFFF"/>
-                </a:solidFill>
-                <a:latin typeface="Calibri" panose="020F0502020204030204" pitchFamily="34" charset="0"/>
-              </a:rPr>
-              <a:t> simple est que nous atteindrons très rapidement une limitation. Comment faire pour avoir deux </a:t>
-            </a:r>
-            <a:r>
-              <a:rPr lang="fr-FR" altLang="fr-FR" sz="2800" dirty="0" err="1">
-                <a:solidFill>
-                  <a:srgbClr val="FFFFFF"/>
-                </a:solidFill>
-                <a:latin typeface="Calibri" panose="020F0502020204030204" pitchFamily="34" charset="0"/>
-              </a:rPr>
-              <a:t>élement</a:t>
-            </a:r>
-            <a:r>
-              <a:rPr lang="fr-FR" altLang="fr-FR" sz="2800" dirty="0">
-                <a:solidFill>
-                  <a:srgbClr val="FFFFFF"/>
-                </a:solidFill>
-                <a:latin typeface="Calibri" panose="020F0502020204030204" pitchFamily="34" charset="0"/>
-              </a:rPr>
-              <a:t> &lt;p&gt; avec des styles différents ? </a:t>
+              <a:t>Le problème avec les sélecteurs simple est que nous atteindrons très rapidement une limitation. Comment faire pour avoir deux élément &lt;p&gt; avec des styles différents ? </a:t>
             </a:r>
             <a:br>
               <a:rPr lang="fr-FR" altLang="fr-FR" sz="2800" dirty="0">
@@ -36660,43 +36612,7 @@
                 </a:solidFill>
                 <a:latin typeface="Calibri" panose="020F0502020204030204" pitchFamily="34" charset="0"/>
               </a:rPr>
-              <a:t>Nous allons voir les </a:t>
-            </a:r>
-            <a:r>
-              <a:rPr lang="fr-FR" altLang="fr-FR" sz="2800" dirty="0" err="1">
-                <a:solidFill>
-                  <a:srgbClr val="FFFFFF"/>
-                </a:solidFill>
-                <a:latin typeface="Calibri" panose="020F0502020204030204" pitchFamily="34" charset="0"/>
-              </a:rPr>
-              <a:t>selecteurs</a:t>
-            </a:r>
-            <a:r>
-              <a:rPr lang="fr-FR" altLang="fr-FR" sz="2800" dirty="0">
-                <a:solidFill>
-                  <a:srgbClr val="FFFFFF"/>
-                </a:solidFill>
-                <a:latin typeface="Calibri" panose="020F0502020204030204" pitchFamily="34" charset="0"/>
-              </a:rPr>
-              <a:t> complexes pour </a:t>
-            </a:r>
-            <a:r>
-              <a:rPr lang="fr-FR" altLang="fr-FR" sz="2800" dirty="0" err="1">
-                <a:solidFill>
-                  <a:srgbClr val="FFFFFF"/>
-                </a:solidFill>
-                <a:latin typeface="Calibri" panose="020F0502020204030204" pitchFamily="34" charset="0"/>
-              </a:rPr>
-              <a:t>palié</a:t>
-            </a:r>
-            <a:r>
-              <a:rPr lang="fr-FR" altLang="fr-FR" sz="2800" dirty="0">
-                <a:solidFill>
-                  <a:srgbClr val="FFFFFF"/>
-                </a:solidFill>
-                <a:latin typeface="Calibri" panose="020F0502020204030204" pitchFamily="34" charset="0"/>
-              </a:rPr>
-              <a:t> à cela</a:t>
+              <a:t>Nous allons voir les sélecteurs complexes pour pallié à cela</a:t>
             </a:r>
           </a:p>
           <a:p>
@@ -36802,15 +36718,7 @@
             </a:pPr>
             <a:r>
               <a:rPr lang="fr-FR" altLang="fr-FR" sz="3600" dirty="0"/>
-              <a:t>Les </a:t>
-            </a:r>
-            <a:r>
-              <a:rPr lang="fr-FR" altLang="fr-FR" sz="3600" dirty="0" err="1"/>
-              <a:t>selecteurs</a:t>
-            </a:r>
-            <a:r>
-              <a:rPr lang="fr-FR" altLang="fr-FR" sz="3600" dirty="0"/>
-              <a:t> Complexes</a:t>
+              <a:t>Les sélecteurs Complexes</a:t>
             </a:r>
           </a:p>
         </p:txBody>
@@ -37355,25 +37263,7 @@
                 </a:solidFill>
                 <a:latin typeface="Calibri" panose="020F0502020204030204" pitchFamily="34" charset="0"/>
               </a:rPr>
-              <a:t>On va écrire directement nos attributs id ou class dans un </a:t>
-            </a:r>
-            <a:r>
-              <a:rPr lang="fr-FR" altLang="fr-FR" sz="2800" dirty="0" err="1">
-                <a:solidFill>
-                  <a:srgbClr val="FFFFFF"/>
-                </a:solidFill>
-                <a:latin typeface="Calibri" panose="020F0502020204030204" pitchFamily="34" charset="0"/>
-              </a:rPr>
-              <a:t>élement</a:t>
-            </a:r>
-            <a:r>
-              <a:rPr lang="fr-FR" altLang="fr-FR" sz="2800" dirty="0">
-                <a:solidFill>
-                  <a:srgbClr val="FFFFFF"/>
-                </a:solidFill>
-                <a:latin typeface="Calibri" panose="020F0502020204030204" pitchFamily="34" charset="0"/>
-              </a:rPr>
-              <a:t> HTML</a:t>
+              <a:t>On va écrire directement nos attributs id ou class dans un élément HTML</a:t>
             </a:r>
           </a:p>
         </p:txBody>
@@ -39075,25 +38965,7 @@
                 </a:solidFill>
                 <a:latin typeface="Calibri" panose="020F0502020204030204" pitchFamily="34" charset="0"/>
               </a:rPr>
-              <a:t>Si elles ont la même utilité, pourquoi il </a:t>
-            </a:r>
-            <a:r>
-              <a:rPr lang="fr-FR" altLang="fr-FR" sz="2800" dirty="0" err="1">
-                <a:solidFill>
-                  <a:srgbClr val="FFFFFF"/>
-                </a:solidFill>
-                <a:latin typeface="Calibri" panose="020F0502020204030204" pitchFamily="34" charset="0"/>
-              </a:rPr>
-              <a:t>ya</a:t>
-            </a:r>
-            <a:r>
-              <a:rPr lang="fr-FR" altLang="fr-FR" sz="2800" dirty="0">
-                <a:solidFill>
-                  <a:srgbClr val="FFFFFF"/>
-                </a:solidFill>
-                <a:latin typeface="Calibri" panose="020F0502020204030204" pitchFamily="34" charset="0"/>
-              </a:rPr>
-              <a:t> deux attributs complexe différents ?</a:t>
+              <a:t>Si elles ont la même utilité, pourquoi il y a deux attributs complexe différents ?</a:t>
             </a:r>
           </a:p>
         </p:txBody>
@@ -39612,25 +39484,7 @@
                 </a:solidFill>
                 <a:latin typeface="Calibri" panose="020F0502020204030204" pitchFamily="34" charset="0"/>
               </a:rPr>
-              <a:t>Un attribut id ne peut </a:t>
-            </a:r>
-            <a:r>
-              <a:rPr lang="fr-FR" altLang="fr-FR" sz="2800" dirty="0" err="1">
-                <a:solidFill>
-                  <a:srgbClr val="FFFFFF"/>
-                </a:solidFill>
-                <a:latin typeface="Calibri" panose="020F0502020204030204" pitchFamily="34" charset="0"/>
-              </a:rPr>
-              <a:t>etre</a:t>
-            </a:r>
-            <a:r>
-              <a:rPr lang="fr-FR" altLang="fr-FR" sz="2800" dirty="0">
-                <a:solidFill>
-                  <a:srgbClr val="FFFFFF"/>
-                </a:solidFill>
-                <a:latin typeface="Calibri" panose="020F0502020204030204" pitchFamily="34" charset="0"/>
-              </a:rPr>
-              <a:t> référencer qu’une seule fois dans l’HTML</a:t>
+              <a:t>Un attribut id ne peut être référencer qu’une seule fois dans l’HTML</a:t>
             </a:r>
           </a:p>
           <a:p>
@@ -39688,25 +39542,7 @@
                 </a:solidFill>
                 <a:latin typeface="Calibri" panose="020F0502020204030204" pitchFamily="34" charset="0"/>
               </a:rPr>
-              <a:t>On peut donner le même style à plusieurs </a:t>
-            </a:r>
-            <a:r>
-              <a:rPr lang="fr-FR" altLang="fr-FR" sz="2800" dirty="0" err="1">
-                <a:solidFill>
-                  <a:srgbClr val="FFFFFF"/>
-                </a:solidFill>
-                <a:latin typeface="Calibri" panose="020F0502020204030204" pitchFamily="34" charset="0"/>
-              </a:rPr>
-              <a:t>élements</a:t>
-            </a:r>
-            <a:r>
-              <a:rPr lang="fr-FR" altLang="fr-FR" sz="2800" dirty="0">
-                <a:solidFill>
-                  <a:srgbClr val="FFFFFF"/>
-                </a:solidFill>
-                <a:latin typeface="Calibri" panose="020F0502020204030204" pitchFamily="34" charset="0"/>
-              </a:rPr>
-              <a:t> via les class, même si ils sont différents (exemple: h1 et p)</a:t>
+              <a:t>On peut donner le même style à plusieurs éléments via les class, même si ils sont différents (exemple: h1 et p)</a:t>
             </a:r>
           </a:p>
         </p:txBody>
@@ -39858,7 +39694,7 @@
         </p:nvSpPr>
         <p:spPr bwMode="auto">
           <a:xfrm>
-            <a:off x="1219200" y="1340768"/>
+            <a:off x="1125860" y="836712"/>
             <a:ext cx="10707860" cy="5254625"/>
           </a:xfrm>
           <a:prstGeom prst="rect">
@@ -40202,25 +40038,7 @@
                 </a:solidFill>
                 <a:latin typeface="Calibri" panose="020F0502020204030204" pitchFamily="34" charset="0"/>
               </a:rPr>
-              <a:t>Pour </a:t>
-            </a:r>
-            <a:r>
-              <a:rPr lang="fr-FR" altLang="fr-FR" sz="2800" dirty="0" err="1">
-                <a:solidFill>
-                  <a:srgbClr val="FFFFFF"/>
-                </a:solidFill>
-                <a:latin typeface="Calibri" panose="020F0502020204030204" pitchFamily="34" charset="0"/>
-              </a:rPr>
-              <a:t>definir</a:t>
-            </a:r>
-            <a:r>
-              <a:rPr lang="fr-FR" altLang="fr-FR" sz="2800" dirty="0">
-                <a:solidFill>
-                  <a:srgbClr val="FFFFFF"/>
-                </a:solidFill>
-                <a:latin typeface="Calibri" panose="020F0502020204030204" pitchFamily="34" charset="0"/>
-              </a:rPr>
-              <a:t> le style d’une page: </a:t>
+              <a:t>Pour définir le style d’une page: </a:t>
             </a:r>
           </a:p>
           <a:p>
@@ -40232,7 +40050,7 @@
                 <a:spcPts val="300"/>
               </a:spcBef>
               <a:spcAft>
-                <a:spcPts val="1425"/>
+                <a:spcPts val="300"/>
               </a:spcAft>
               <a:buClr>
                 <a:srgbClr val="009999"/>
@@ -40286,7 +40104,7 @@
                 <a:spcPts val="300"/>
               </a:spcBef>
               <a:spcAft>
-                <a:spcPts val="1425"/>
+                <a:spcPts val="300"/>
               </a:spcAft>
               <a:buClr>
                 <a:srgbClr val="009999"/>
@@ -40322,7 +40140,7 @@
                 <a:spcPts val="300"/>
               </a:spcBef>
               <a:spcAft>
-                <a:spcPts val="1425"/>
+                <a:spcPts val="300"/>
               </a:spcAft>
               <a:buClr>
                 <a:srgbClr val="009999"/>
@@ -40367,7 +40185,7 @@
                 <a:spcPts val="300"/>
               </a:spcBef>
               <a:spcAft>
-                <a:spcPts val="1425"/>
+                <a:spcPts val="300"/>
               </a:spcAft>
               <a:buClr>
                 <a:srgbClr val="009999"/>
@@ -40412,7 +40230,7 @@
                 <a:spcPts val="300"/>
               </a:spcBef>
               <a:spcAft>
-                <a:spcPts val="1425"/>
+                <a:spcPts val="300"/>
               </a:spcAft>
               <a:buClr>
                 <a:srgbClr val="009999"/>
@@ -40466,7 +40284,7 @@
                 <a:spcPts val="300"/>
               </a:spcBef>
               <a:spcAft>
-                <a:spcPts val="1425"/>
+                <a:spcPts val="300"/>
               </a:spcAft>
               <a:buClr>
                 <a:srgbClr val="009999"/>
@@ -40538,7 +40356,7 @@
                 <a:spcPts val="300"/>
               </a:spcBef>
               <a:spcAft>
-                <a:spcPts val="1425"/>
+                <a:spcPts val="300"/>
               </a:spcAft>
               <a:buClr>
                 <a:srgbClr val="009999"/>
@@ -40583,7 +40401,7 @@
                 <a:spcPts val="300"/>
               </a:spcBef>
               <a:spcAft>
-                <a:spcPts val="1425"/>
+                <a:spcPts val="300"/>
               </a:spcAft>
               <a:buClr>
                 <a:srgbClr val="009999"/>
@@ -43608,49 +43426,31 @@
               <a:buChar char="•"/>
             </a:pPr>
             <a:r>
-              <a:rPr lang="en-US" altLang="fr-FR" sz="2800" dirty="0">
+              <a:rPr lang="fr-FR" altLang="fr-FR" sz="2800" dirty="0">
                 <a:solidFill>
                   <a:srgbClr val="FFFFFF"/>
                 </a:solidFill>
                 <a:latin typeface="Calibri" panose="020F0502020204030204" pitchFamily="34" charset="0"/>
               </a:rPr>
-              <a:t>La specification de CSS1 </a:t>
-            </a:r>
-            <a:r>
-              <a:rPr lang="en-US" altLang="fr-FR" sz="2800" dirty="0" err="1">
+              <a:t>La </a:t>
+            </a:r>
+            <a:r>
+              <a:rPr lang="fr-FR" altLang="fr-FR" sz="2800" dirty="0" err="1">
                 <a:solidFill>
                   <a:srgbClr val="FFFFFF"/>
                 </a:solidFill>
                 <a:latin typeface="Calibri" panose="020F0502020204030204" pitchFamily="34" charset="0"/>
               </a:rPr>
-              <a:t>est</a:t>
-            </a:r>
-            <a:r>
-              <a:rPr lang="en-US" altLang="fr-FR" sz="2800" dirty="0">
+              <a:t>specification</a:t>
+            </a:r>
+            <a:r>
+              <a:rPr lang="fr-FR" altLang="fr-FR" sz="2800" dirty="0">
                 <a:solidFill>
                   <a:srgbClr val="FFFFFF"/>
                 </a:solidFill>
                 <a:latin typeface="Calibri" panose="020F0502020204030204" pitchFamily="34" charset="0"/>
               </a:rPr>
-              <a:t> bouclé </a:t>
-            </a:r>
-            <a:r>
-              <a:rPr lang="en-US" altLang="fr-FR" sz="2800" dirty="0" err="1">
-                <a:solidFill>
-                  <a:srgbClr val="FFFFFF"/>
-                </a:solidFill>
-                <a:latin typeface="Calibri" panose="020F0502020204030204" pitchFamily="34" charset="0"/>
-              </a:rPr>
-              <a:t>en</a:t>
-            </a:r>
-            <a:r>
-              <a:rPr lang="en-US" altLang="fr-FR" sz="2800" dirty="0">
-                <a:solidFill>
-                  <a:srgbClr val="FFFFFF"/>
-                </a:solidFill>
-                <a:latin typeface="Calibri" panose="020F0502020204030204" pitchFamily="34" charset="0"/>
-              </a:rPr>
-              <a:t> 1996</a:t>
+              <a:t> de CSS1 est bouclé en 1996</a:t>
             </a:r>
           </a:p>
           <a:p>
@@ -43671,121 +43471,13 @@
               <a:buChar char="•"/>
             </a:pPr>
             <a:r>
-              <a:rPr lang="en-US" altLang="fr-FR" sz="2800" dirty="0">
+              <a:rPr lang="fr-FR" altLang="fr-FR" sz="2800" dirty="0">
                 <a:solidFill>
                   <a:srgbClr val="FFFFFF"/>
                 </a:solidFill>
                 <a:latin typeface="Calibri" panose="020F0502020204030204" pitchFamily="34" charset="0"/>
               </a:rPr>
-              <a:t>A la base le </a:t>
-            </a:r>
-            <a:r>
-              <a:rPr lang="en-US" altLang="fr-FR" sz="2800" dirty="0" err="1">
-                <a:solidFill>
-                  <a:srgbClr val="FFFFFF"/>
-                </a:solidFill>
-                <a:latin typeface="Calibri" panose="020F0502020204030204" pitchFamily="34" charset="0"/>
-              </a:rPr>
-              <a:t>contenu</a:t>
-            </a:r>
-            <a:r>
-              <a:rPr lang="en-US" altLang="fr-FR" sz="2800" dirty="0">
-                <a:solidFill>
-                  <a:srgbClr val="FFFFFF"/>
-                </a:solidFill>
-                <a:latin typeface="Calibri" panose="020F0502020204030204" pitchFamily="34" charset="0"/>
-              </a:rPr>
-              <a:t> et le style </a:t>
-            </a:r>
-            <a:r>
-              <a:rPr lang="en-US" altLang="fr-FR" sz="2800" dirty="0" err="1">
-                <a:solidFill>
-                  <a:srgbClr val="FFFFFF"/>
-                </a:solidFill>
-                <a:latin typeface="Calibri" panose="020F0502020204030204" pitchFamily="34" charset="0"/>
-              </a:rPr>
-              <a:t>été</a:t>
-            </a:r>
-            <a:r>
-              <a:rPr lang="en-US" altLang="fr-FR" sz="2800" dirty="0">
-                <a:solidFill>
-                  <a:srgbClr val="FFFFFF"/>
-                </a:solidFill>
-                <a:latin typeface="Calibri" panose="020F0502020204030204" pitchFamily="34" charset="0"/>
-              </a:rPr>
-              <a:t> </a:t>
-            </a:r>
-            <a:r>
-              <a:rPr lang="en-US" altLang="fr-FR" sz="2800" dirty="0" err="1">
-                <a:solidFill>
-                  <a:srgbClr val="FFFFFF"/>
-                </a:solidFill>
-                <a:latin typeface="Calibri" panose="020F0502020204030204" pitchFamily="34" charset="0"/>
-              </a:rPr>
-              <a:t>définis</a:t>
-            </a:r>
-            <a:r>
-              <a:rPr lang="en-US" altLang="fr-FR" sz="2800" dirty="0">
-                <a:solidFill>
-                  <a:srgbClr val="FFFFFF"/>
-                </a:solidFill>
-                <a:latin typeface="Calibri" panose="020F0502020204030204" pitchFamily="34" charset="0"/>
-              </a:rPr>
-              <a:t> </a:t>
-            </a:r>
-            <a:r>
-              <a:rPr lang="en-US" altLang="fr-FR" sz="2800" dirty="0" err="1">
-                <a:solidFill>
-                  <a:srgbClr val="FFFFFF"/>
-                </a:solidFill>
-                <a:latin typeface="Calibri" panose="020F0502020204030204" pitchFamily="34" charset="0"/>
-              </a:rPr>
-              <a:t>dans</a:t>
-            </a:r>
-            <a:r>
-              <a:rPr lang="en-US" altLang="fr-FR" sz="2800" dirty="0">
-                <a:solidFill>
-                  <a:srgbClr val="FFFFFF"/>
-                </a:solidFill>
-                <a:latin typeface="Calibri" panose="020F0502020204030204" pitchFamily="34" charset="0"/>
-              </a:rPr>
-              <a:t> le </a:t>
-            </a:r>
-            <a:r>
-              <a:rPr lang="en-US" altLang="fr-FR" sz="2800" dirty="0" err="1">
-                <a:solidFill>
-                  <a:srgbClr val="FFFFFF"/>
-                </a:solidFill>
-                <a:latin typeface="Calibri" panose="020F0502020204030204" pitchFamily="34" charset="0"/>
-              </a:rPr>
-              <a:t>même</a:t>
-            </a:r>
-            <a:r>
-              <a:rPr lang="en-US" altLang="fr-FR" sz="2800" dirty="0">
-                <a:solidFill>
-                  <a:srgbClr val="FFFFFF"/>
-                </a:solidFill>
-                <a:latin typeface="Calibri" panose="020F0502020204030204" pitchFamily="34" charset="0"/>
-              </a:rPr>
-              <a:t> </a:t>
-            </a:r>
-            <a:r>
-              <a:rPr lang="en-US" altLang="fr-FR" sz="2800" dirty="0" err="1">
-                <a:solidFill>
-                  <a:srgbClr val="FFFFFF"/>
-                </a:solidFill>
-                <a:latin typeface="Calibri" panose="020F0502020204030204" pitchFamily="34" charset="0"/>
-              </a:rPr>
-              <a:t>fichier</a:t>
-            </a:r>
-            <a:r>
-              <a:rPr lang="en-US" altLang="fr-FR" sz="2800" dirty="0">
-                <a:solidFill>
-                  <a:srgbClr val="FFFFFF"/>
-                </a:solidFill>
-                <a:latin typeface="Calibri" panose="020F0502020204030204" pitchFamily="34" charset="0"/>
-              </a:rPr>
-              <a:t>.</a:t>
+              <a:t>A la base le contenu et le style été définis dans le même fichier.</a:t>
             </a:r>
           </a:p>
           <a:p>
@@ -43806,67 +43498,13 @@
               <a:buChar char="•"/>
             </a:pPr>
             <a:r>
-              <a:rPr lang="en-US" altLang="fr-FR" sz="2800" dirty="0">
+              <a:rPr lang="fr-FR" altLang="fr-FR" sz="2800" dirty="0">
                 <a:solidFill>
                   <a:srgbClr val="FFFFFF"/>
                 </a:solidFill>
                 <a:latin typeface="Calibri" panose="020F0502020204030204" pitchFamily="34" charset="0"/>
               </a:rPr>
-              <a:t>Le style </a:t>
-            </a:r>
-            <a:r>
-              <a:rPr lang="en-US" altLang="fr-FR" sz="2800" dirty="0" err="1">
-                <a:solidFill>
-                  <a:srgbClr val="FFFFFF"/>
-                </a:solidFill>
-                <a:latin typeface="Calibri" panose="020F0502020204030204" pitchFamily="34" charset="0"/>
-              </a:rPr>
-              <a:t>été</a:t>
-            </a:r>
-            <a:r>
-              <a:rPr lang="en-US" altLang="fr-FR" sz="2800" dirty="0">
-                <a:solidFill>
-                  <a:srgbClr val="FFFFFF"/>
-                </a:solidFill>
-                <a:latin typeface="Calibri" panose="020F0502020204030204" pitchFamily="34" charset="0"/>
-              </a:rPr>
-              <a:t> </a:t>
-            </a:r>
-            <a:r>
-              <a:rPr lang="en-US" altLang="fr-FR" sz="2800" dirty="0" err="1">
-                <a:solidFill>
-                  <a:srgbClr val="FFFFFF"/>
-                </a:solidFill>
-                <a:latin typeface="Calibri" panose="020F0502020204030204" pitchFamily="34" charset="0"/>
-              </a:rPr>
-              <a:t>défini</a:t>
-            </a:r>
-            <a:r>
-              <a:rPr lang="en-US" altLang="fr-FR" sz="2800" dirty="0">
-                <a:solidFill>
-                  <a:srgbClr val="FFFFFF"/>
-                </a:solidFill>
-                <a:latin typeface="Calibri" panose="020F0502020204030204" pitchFamily="34" charset="0"/>
-              </a:rPr>
-              <a:t> par des </a:t>
-            </a:r>
-            <a:r>
-              <a:rPr lang="en-US" altLang="fr-FR" sz="2800" dirty="0" err="1">
-                <a:solidFill>
-                  <a:srgbClr val="FFFFFF"/>
-                </a:solidFill>
-                <a:latin typeface="Calibri" panose="020F0502020204030204" pitchFamily="34" charset="0"/>
-              </a:rPr>
-              <a:t>balises</a:t>
-            </a:r>
-            <a:r>
-              <a:rPr lang="en-US" altLang="fr-FR" sz="2800" dirty="0">
-                <a:solidFill>
-                  <a:srgbClr val="FFFFFF"/>
-                </a:solidFill>
-                <a:latin typeface="Calibri" panose="020F0502020204030204" pitchFamily="34" charset="0"/>
-              </a:rPr>
-              <a:t> html : </a:t>
+              <a:t>Le style été défini par des balises html : </a:t>
             </a:r>
           </a:p>
           <a:p>
@@ -43887,22 +43525,31 @@
               <a:buChar char="•"/>
             </a:pPr>
             <a:r>
-              <a:rPr lang="en-US" altLang="fr-FR" sz="2800" dirty="0" err="1">
+              <a:rPr lang="fr-FR" altLang="fr-FR" sz="2800" dirty="0">
                 <a:solidFill>
                   <a:srgbClr val="FFFFFF"/>
                 </a:solidFill>
                 <a:latin typeface="Calibri" panose="020F0502020204030204" pitchFamily="34" charset="0"/>
               </a:rPr>
-              <a:t>Exemple</a:t>
-            </a:r>
-            <a:r>
-              <a:rPr lang="en-US" altLang="fr-FR" sz="2800" dirty="0">
+              <a:t>Exemple  : &lt;font </a:t>
+            </a:r>
+            <a:r>
+              <a:rPr lang="fr-FR" altLang="fr-FR" sz="2800" dirty="0" err="1">
                 <a:solidFill>
                   <a:srgbClr val="FFFFFF"/>
                 </a:solidFill>
                 <a:latin typeface="Calibri" panose="020F0502020204030204" pitchFamily="34" charset="0"/>
               </a:rPr>
-              <a:t>  : &lt;font color="#aab1c3"&gt;Bonjour&lt;/font&gt;</a:t>
+              <a:t>color</a:t>
+            </a:r>
+            <a:r>
+              <a:rPr lang="fr-FR" altLang="fr-FR" sz="2800" dirty="0">
+                <a:solidFill>
+                  <a:srgbClr val="FFFFFF"/>
+                </a:solidFill>
+                <a:latin typeface="Calibri" panose="020F0502020204030204" pitchFamily="34" charset="0"/>
+              </a:rPr>
+              <a:t>="#aab1c3"&gt;Bonjour&lt;/font&gt;</a:t>
             </a:r>
           </a:p>
           <a:p>
@@ -43922,7 +43569,7 @@
               <a:buFont typeface="Arial" panose="020B0604020202020204" pitchFamily="34" charset="0"/>
               <a:buChar char="•"/>
             </a:pPr>
-            <a:endParaRPr lang="en-US" altLang="fr-FR" sz="2800" dirty="0">
+            <a:endParaRPr lang="fr-FR" altLang="fr-FR" sz="2800" dirty="0">
               <a:solidFill>
                 <a:srgbClr val="FFFFFF"/>
               </a:solidFill>
@@ -43946,7 +43593,7 @@
               <a:buFont typeface="Arial" panose="020B0604020202020204" pitchFamily="34" charset="0"/>
               <a:buNone/>
             </a:pPr>
-            <a:endParaRPr lang="en-US" altLang="fr-FR" sz="2800" dirty="0">
+            <a:endParaRPr lang="fr-FR" altLang="fr-FR" sz="2800" dirty="0">
               <a:solidFill>
                 <a:srgbClr val="FFFFFF"/>
               </a:solidFill>
@@ -44508,7 +44155,7 @@
             </a:pPr>
             <a:r>
               <a:rPr lang="fr-FR" altLang="fr-FR" sz="2400" dirty="0"/>
-              <a:t>dans l'en-tête&lt;</a:t>
+              <a:t>dans l'en-tête &lt;</a:t>
             </a:r>
             <a:r>
               <a:rPr lang="fr-FR" altLang="fr-FR" sz="2400" dirty="0" err="1"/>
@@ -44516,7 +44163,7 @@
             </a:r>
             <a:r>
               <a:rPr lang="fr-FR" altLang="fr-FR" sz="2400" dirty="0"/>
-              <a:t>&gt;du fichier HTML</a:t>
+              <a:t>&gt; du fichier HTML</a:t>
             </a:r>
           </a:p>
           <a:p>
@@ -44795,15 +44442,7 @@
             </a:pPr>
             <a:r>
               <a:rPr lang="fr-FR" altLang="fr-FR" dirty="0"/>
-              <a:t>Les </a:t>
-            </a:r>
-            <a:r>
-              <a:rPr lang="fr-FR" altLang="fr-FR" dirty="0" err="1"/>
-              <a:t>selecteurs</a:t>
-            </a:r>
-            <a:r>
-              <a:rPr lang="fr-FR" altLang="fr-FR" dirty="0"/>
-              <a:t> : </a:t>
+              <a:t>Les sélecteurs : </a:t>
             </a:r>
           </a:p>
           <a:p>
@@ -44871,23 +44510,7 @@
             </a:pPr>
             <a:r>
               <a:rPr lang="fr-FR" altLang="fr-FR" sz="2800" dirty="0"/>
-              <a:t>Les </a:t>
-            </a:r>
-            <a:r>
-              <a:rPr lang="fr-FR" altLang="fr-FR" sz="2800" dirty="0" err="1"/>
-              <a:t>selecteurs</a:t>
-            </a:r>
-            <a:r>
-              <a:rPr lang="fr-FR" altLang="fr-FR" sz="2800" dirty="0"/>
-              <a:t> éléments, on cible un </a:t>
-            </a:r>
-            <a:r>
-              <a:rPr lang="fr-FR" altLang="fr-FR" sz="2800" dirty="0" err="1"/>
-              <a:t>element</a:t>
-            </a:r>
-            <a:r>
-              <a:rPr lang="fr-FR" altLang="fr-FR" sz="2800" dirty="0"/>
-              <a:t> html comme &lt;p&gt;</a:t>
+              <a:t>Les sélecteurs éléments, on cible un élément html comme &lt;p&gt;</a:t>
             </a:r>
           </a:p>
           <a:p>
@@ -44921,37 +44544,8 @@
             </a:pPr>
             <a:r>
               <a:rPr lang="fr-FR" altLang="fr-FR" sz="2800" dirty="0"/>
-              <a:t>Des </a:t>
-            </a:r>
-            <a:r>
-              <a:rPr lang="fr-FR" altLang="fr-FR" sz="2800" dirty="0" err="1"/>
-              <a:t>selecteurs</a:t>
-            </a:r>
-            <a:r>
-              <a:rPr lang="fr-FR" altLang="fr-FR" sz="2800" dirty="0"/>
-              <a:t> qu’on </a:t>
-            </a:r>
-            <a:r>
-              <a:rPr lang="fr-FR" altLang="fr-FR" sz="2800" dirty="0" err="1"/>
-              <a:t>appellee</a:t>
-            </a:r>
-            <a:r>
-              <a:rPr lang="fr-FR" altLang="fr-FR" sz="2800" dirty="0"/>
-              <a:t> “complexe”, servant </a:t>
-            </a:r>
-            <a:r>
-              <a:rPr lang="fr-FR" altLang="fr-FR" sz="2800" dirty="0" err="1"/>
-              <a:t>uniquemement</a:t>
-            </a:r>
-            <a:r>
-              <a:rPr lang="fr-FR" altLang="fr-FR" sz="2800" dirty="0"/>
-              <a:t> pour cibler des éléments </a:t>
-            </a:r>
-            <a:r>
-              <a:rPr lang="fr-FR" altLang="fr-FR" sz="2800" dirty="0" err="1"/>
-              <a:t>specifiques</a:t>
-            </a:r>
-            <a:endParaRPr lang="fr-FR" altLang="fr-FR" sz="2800" dirty="0"/>
+              <a:t>Des sélecteurs qu’on appelle “complexe”, servant uniquement pour cibler des éléments spécifiques</a:t>
+            </a:r>
           </a:p>
         </p:txBody>
       </p:sp>
@@ -45098,7 +44692,7 @@
             </a:pPr>
             <a:r>
               <a:rPr lang="fr-FR" altLang="fr-FR" dirty="0"/>
-              <a:t>Une propriétés nous permet de définir quel aspect de notre élément sélectionner on veut définir.</a:t>
+              <a:t>Une propriétés nous permet de définir quel aspect de notre élément sélectionné on veut définir.</a:t>
             </a:r>
           </a:p>
           <a:p>

--- a/Seance 2 HTML CSS PHP.pptx
+++ b/Seance 2 HTML CSS PHP.pptx
@@ -195,10 +195,6 @@
     </p:ext>
   </p:extLst>
 </p:presentation>
-</file>
-
-<file path=ppt/revisionInfo.xml><?xml version="1.0" encoding="utf-8"?>
-<p1510:revInfo xmlns:a="http://schemas.openxmlformats.org/drawingml/2006/main" xmlns:r="http://schemas.openxmlformats.org/officeDocument/2006/relationships" xmlns:p1510="http://schemas.microsoft.com/office/powerpoint/2015/10/main"/>
 </file>
 
 <file path=ppt/notesMasters/notesMaster1.xml><?xml version="1.0" encoding="utf-8"?>
@@ -35989,17 +35985,80 @@
             </a:pPr>
             <a:r>
               <a:rPr lang="fr-FR" altLang="fr-FR" b="1" dirty="0"/>
-              <a:t>Comme  dis précédemment, nous pouvons imbriquer les balises, et donc composes des listes dans des listes</a:t>
+              <a:t>D’autres type de </a:t>
+            </a:r>
+            <a:r>
+              <a:rPr lang="fr-FR" altLang="fr-FR" b="1" dirty="0" err="1"/>
+              <a:t>selecteur</a:t>
+            </a:r>
+            <a:r>
+              <a:rPr lang="fr-FR" altLang="fr-FR" b="1" dirty="0"/>
+              <a:t> existe, toujours basés sur la </a:t>
+            </a:r>
+            <a:r>
+              <a:rPr lang="fr-FR" altLang="fr-FR" b="1" dirty="0" err="1"/>
+              <a:t>selection</a:t>
+            </a:r>
+            <a:r>
+              <a:rPr lang="fr-FR" altLang="fr-FR" b="1" dirty="0"/>
+              <a:t> des balises, mais en plus complexe. On les appelle </a:t>
+            </a:r>
+            <a:r>
+              <a:rPr lang="fr-FR" altLang="fr-FR" b="1" dirty="0" err="1"/>
+              <a:t>selecteur</a:t>
+            </a:r>
+            <a:r>
+              <a:rPr lang="fr-FR" altLang="fr-FR" b="1" dirty="0"/>
+              <a:t> avancé.  </a:t>
+            </a:r>
+          </a:p>
+          <a:p>
+            <a:pPr marL="301625" indent="-300038" eaLnBrk="1" hangingPunct="1">
+              <a:lnSpc>
+                <a:spcPct val="90000"/>
+              </a:lnSpc>
+              <a:spcBef>
+                <a:spcPts val="1600"/>
+              </a:spcBef>
+              <a:buClr>
+                <a:srgbClr val="009999"/>
+              </a:buClr>
+              <a:buFont typeface="Arial" panose="020B0604020202020204" pitchFamily="34" charset="0"/>
+              <a:buChar char="•"/>
+              <a:tabLst>
+                <a:tab pos="723900" algn="l"/>
+                <a:tab pos="1447800" algn="l"/>
+                <a:tab pos="2171700" algn="l"/>
+                <a:tab pos="2895600" algn="l"/>
+                <a:tab pos="3619500" algn="l"/>
+                <a:tab pos="4343400" algn="l"/>
+                <a:tab pos="5067300" algn="l"/>
+                <a:tab pos="5791200" algn="l"/>
+                <a:tab pos="6515100" algn="l"/>
+                <a:tab pos="7239000" algn="l"/>
+                <a:tab pos="7962900" algn="l"/>
+                <a:tab pos="8686800" algn="l"/>
+                <a:tab pos="9410700" algn="l"/>
+              </a:tabLst>
+              <a:defRPr/>
+            </a:pPr>
+            <a:r>
+              <a:rPr lang="fr-FR" altLang="fr-FR" b="1" dirty="0" err="1"/>
+              <a:t>Selecteur</a:t>
+            </a:r>
+            <a:r>
+              <a:rPr lang="fr-FR" altLang="fr-FR" b="1" dirty="0"/>
+              <a:t> sur plusieurs balises :    </a:t>
             </a:r>
           </a:p>
         </p:txBody>
       </p:sp>
       <p:pic>
         <p:nvPicPr>
-          <p:cNvPr id="2" name="Image 1">
+          <p:cNvPr id="4" name="Image 3">
             <a:extLst>
               <a:ext uri="{FF2B5EF4-FFF2-40B4-BE49-F238E27FC236}">
-                <a16:creationId xmlns:a16="http://schemas.microsoft.com/office/drawing/2014/main" id="{5DF8273A-5053-4D29-AF56-97E6B4CF4555}"/>
+                <a16:creationId xmlns:a16="http://schemas.microsoft.com/office/drawing/2014/main" id="{C07A3B13-F591-451D-9722-E5B997CD290E}"/>
               </a:ext>
             </a:extLst>
           </p:cNvPr>
@@ -36016,38 +36075,8 @@
         </p:blipFill>
         <p:spPr>
           <a:xfrm>
-            <a:off x="303554" y="2492896"/>
-            <a:ext cx="5924038" cy="4011188"/>
-          </a:xfrm>
-          <a:prstGeom prst="rect">
-            <a:avLst/>
-          </a:prstGeom>
-        </p:spPr>
-      </p:pic>
-      <p:pic>
-        <p:nvPicPr>
-          <p:cNvPr id="3" name="Image 2">
-            <a:extLst>
-              <a:ext uri="{FF2B5EF4-FFF2-40B4-BE49-F238E27FC236}">
-                <a16:creationId xmlns:a16="http://schemas.microsoft.com/office/drawing/2014/main" id="{4131089C-7245-4F06-9098-70AE2CC246E6}"/>
-              </a:ext>
-            </a:extLst>
-          </p:cNvPr>
-          <p:cNvPicPr>
-            <a:picLocks noChangeAspect="1"/>
-          </p:cNvPicPr>
-          <p:nvPr/>
-        </p:nvPicPr>
-        <p:blipFill>
-          <a:blip r:embed="rId4"/>
-          <a:stretch>
-            <a:fillRect/>
-          </a:stretch>
-        </p:blipFill>
-        <p:spPr>
-          <a:xfrm>
-            <a:off x="6761703" y="2853219"/>
-            <a:ext cx="4817522" cy="3290542"/>
+            <a:off x="3178088" y="3442692"/>
+            <a:ext cx="5832648" cy="3287260"/>
           </a:xfrm>
           <a:prstGeom prst="rect">
             <a:avLst/>
